--- a/Later/Spring/4_Dependency_Injection/25/Constructor injection Vs. Setter injection_v1.pptx
+++ b/Later/Spring/4_Dependency_Injection/25/Constructor injection Vs. Setter injection_v1.pptx
@@ -192,7 +192,7 @@
           <a:p>
             <a:fld id="{62274EC6-3890-417B-9308-14EFBD00FA63}" type="datetimeFigureOut">
               <a:rPr lang="en-US" smtClean="0"/>
-              <a:t>1/23/2018</a:t>
+              <a:t>2/7/2018</a:t>
             </a:fld>
             <a:endParaRPr lang="en-US" dirty="0"/>
           </a:p>
@@ -731,7 +731,7 @@
             <a:fld id="{1D8BD707-D9CF-40AE-B4C6-C98DA3205C09}" type="datetimeFigureOut">
               <a:rPr lang="en-US" smtClean="0"/>
               <a:pPr/>
-              <a:t>1/23/2018</a:t>
+              <a:t>2/7/2018</a:t>
             </a:fld>
             <a:endParaRPr lang="en-US" dirty="0"/>
           </a:p>
@@ -903,7 +903,7 @@
             <a:fld id="{1D8BD707-D9CF-40AE-B4C6-C98DA3205C09}" type="datetimeFigureOut">
               <a:rPr lang="en-US" smtClean="0"/>
               <a:pPr/>
-              <a:t>1/23/2018</a:t>
+              <a:t>2/7/2018</a:t>
             </a:fld>
             <a:endParaRPr lang="en-US" dirty="0"/>
           </a:p>
@@ -1085,7 +1085,7 @@
             <a:fld id="{1D8BD707-D9CF-40AE-B4C6-C98DA3205C09}" type="datetimeFigureOut">
               <a:rPr lang="en-US" smtClean="0"/>
               <a:pPr/>
-              <a:t>1/23/2018</a:t>
+              <a:t>2/7/2018</a:t>
             </a:fld>
             <a:endParaRPr lang="en-US" dirty="0"/>
           </a:p>
@@ -1257,7 +1257,7 @@
             <a:fld id="{1D8BD707-D9CF-40AE-B4C6-C98DA3205C09}" type="datetimeFigureOut">
               <a:rPr lang="en-US" smtClean="0"/>
               <a:pPr/>
-              <a:t>1/23/2018</a:t>
+              <a:t>2/7/2018</a:t>
             </a:fld>
             <a:endParaRPr lang="en-US" dirty="0"/>
           </a:p>
@@ -1505,7 +1505,7 @@
             <a:fld id="{1D8BD707-D9CF-40AE-B4C6-C98DA3205C09}" type="datetimeFigureOut">
               <a:rPr lang="en-US" smtClean="0"/>
               <a:pPr/>
-              <a:t>1/23/2018</a:t>
+              <a:t>2/7/2018</a:t>
             </a:fld>
             <a:endParaRPr lang="en-US" dirty="0"/>
           </a:p>
@@ -1795,7 +1795,7 @@
             <a:fld id="{1D8BD707-D9CF-40AE-B4C6-C98DA3205C09}" type="datetimeFigureOut">
               <a:rPr lang="en-US" smtClean="0"/>
               <a:pPr/>
-              <a:t>1/23/2018</a:t>
+              <a:t>2/7/2018</a:t>
             </a:fld>
             <a:endParaRPr lang="en-US" dirty="0"/>
           </a:p>
@@ -2224,7 +2224,7 @@
             <a:fld id="{1D8BD707-D9CF-40AE-B4C6-C98DA3205C09}" type="datetimeFigureOut">
               <a:rPr lang="en-US" smtClean="0"/>
               <a:pPr/>
-              <a:t>1/23/2018</a:t>
+              <a:t>2/7/2018</a:t>
             </a:fld>
             <a:endParaRPr lang="en-US" dirty="0"/>
           </a:p>
@@ -2344,7 +2344,7 @@
             <a:fld id="{1D8BD707-D9CF-40AE-B4C6-C98DA3205C09}" type="datetimeFigureOut">
               <a:rPr lang="en-US" smtClean="0"/>
               <a:pPr/>
-              <a:t>1/23/2018</a:t>
+              <a:t>2/7/2018</a:t>
             </a:fld>
             <a:endParaRPr lang="en-US" dirty="0"/>
           </a:p>
@@ -2441,7 +2441,7 @@
             <a:fld id="{1D8BD707-D9CF-40AE-B4C6-C98DA3205C09}" type="datetimeFigureOut">
               <a:rPr lang="en-US" smtClean="0"/>
               <a:pPr/>
-              <a:t>1/23/2018</a:t>
+              <a:t>2/7/2018</a:t>
             </a:fld>
             <a:endParaRPr lang="en-US" dirty="0"/>
           </a:p>
@@ -2720,7 +2720,7 @@
             <a:fld id="{1D8BD707-D9CF-40AE-B4C6-C98DA3205C09}" type="datetimeFigureOut">
               <a:rPr lang="en-US" smtClean="0"/>
               <a:pPr/>
-              <a:t>1/23/2018</a:t>
+              <a:t>2/7/2018</a:t>
             </a:fld>
             <a:endParaRPr lang="en-US" dirty="0"/>
           </a:p>
@@ -2975,7 +2975,7 @@
             <a:fld id="{1D8BD707-D9CF-40AE-B4C6-C98DA3205C09}" type="datetimeFigureOut">
               <a:rPr lang="en-US" smtClean="0"/>
               <a:pPr/>
-              <a:t>1/23/2018</a:t>
+              <a:t>2/7/2018</a:t>
             </a:fld>
             <a:endParaRPr lang="en-US" dirty="0"/>
           </a:p>
@@ -3190,7 +3190,7 @@
             <a:fld id="{1D8BD707-D9CF-40AE-B4C6-C98DA3205C09}" type="datetimeFigureOut">
               <a:rPr lang="en-US" smtClean="0"/>
               <a:pPr/>
-              <a:t>1/23/2018</a:t>
+              <a:t>2/7/2018</a:t>
             </a:fld>
             <a:endParaRPr lang="en-US" dirty="0"/>
           </a:p>
@@ -3747,14 +3747,14 @@
           <p:nvPr>
             <p:extLst>
               <p:ext uri="{D42A27DB-BD31-4B8C-83A1-F6EECF244321}">
-                <p14:modId xmlns:p14="http://schemas.microsoft.com/office/powerpoint/2010/main" val="3139991147"/>
+                <p14:modId xmlns:p14="http://schemas.microsoft.com/office/powerpoint/2010/main" val="2446534460"/>
               </p:ext>
             </p:extLst>
           </p:nvPr>
         </p:nvGraphicFramePr>
         <p:xfrm>
-          <a:off x="307975" y="1143000"/>
-          <a:ext cx="8610600" cy="3101340"/>
+          <a:off x="307975" y="762000"/>
+          <a:ext cx="8610600" cy="3738880"/>
         </p:xfrm>
         <a:graphic>
           <a:graphicData uri="http://schemas.openxmlformats.org/drawingml/2006/table">
@@ -4288,6 +4288,130 @@
                         <a:t>We can easily change the value by setter injection. It doesn't create a new bean instance always like constructor. So setter injection is flexible than constructor injection.</a:t>
                       </a:r>
                       <a:endParaRPr lang="en-US" sz="1200" dirty="0"/>
+                    </a:p>
+                  </a:txBody>
+                  <a:tcPr>
+                    <a:lnL w="12700" cap="flat" cmpd="sng" algn="ctr">
+                      <a:solidFill>
+                        <a:schemeClr val="tx1"/>
+                      </a:solidFill>
+                      <a:prstDash val="solid"/>
+                      <a:round/>
+                      <a:headEnd type="none" w="med" len="med"/>
+                      <a:tailEnd type="none" w="med" len="med"/>
+                    </a:lnL>
+                    <a:lnR w="12700" cap="flat" cmpd="sng" algn="ctr">
+                      <a:solidFill>
+                        <a:schemeClr val="tx1"/>
+                      </a:solidFill>
+                      <a:prstDash val="solid"/>
+                      <a:round/>
+                      <a:headEnd type="none" w="med" len="med"/>
+                      <a:tailEnd type="none" w="med" len="med"/>
+                    </a:lnR>
+                    <a:lnT w="12700" cap="flat" cmpd="sng" algn="ctr">
+                      <a:solidFill>
+                        <a:schemeClr val="tx1"/>
+                      </a:solidFill>
+                      <a:prstDash val="solid"/>
+                      <a:round/>
+                      <a:headEnd type="none" w="med" len="med"/>
+                      <a:tailEnd type="none" w="med" len="med"/>
+                    </a:lnT>
+                    <a:lnB w="12700" cap="flat" cmpd="sng" algn="ctr">
+                      <a:solidFill>
+                        <a:schemeClr val="tx1"/>
+                      </a:solidFill>
+                      <a:prstDash val="solid"/>
+                      <a:round/>
+                      <a:headEnd type="none" w="med" len="med"/>
+                      <a:tailEnd type="none" w="med" len="med"/>
+                    </a:lnB>
+                  </a:tcPr>
+                </a:tc>
+              </a:tr>
+              <a:tr h="637540">
+                <a:tc>
+                  <a:txBody>
+                    <a:bodyPr/>
+                    <a:lstStyle/>
+                    <a:p>
+                      <a:r>
+                        <a:rPr lang="en-US" sz="1200" b="1" dirty="0" smtClean="0"/>
+                        <a:t>When to</a:t>
+                      </a:r>
+                      <a:r>
+                        <a:rPr lang="en-US" sz="1200" b="1" baseline="0" dirty="0" smtClean="0"/>
+                        <a:t> Use?</a:t>
+                      </a:r>
+                      <a:endParaRPr lang="en-US" sz="1200" b="1" dirty="0"/>
+                    </a:p>
+                  </a:txBody>
+                  <a:tcPr>
+                    <a:lnL w="12700" cap="flat" cmpd="sng" algn="ctr">
+                      <a:solidFill>
+                        <a:schemeClr val="tx1"/>
+                      </a:solidFill>
+                      <a:prstDash val="solid"/>
+                      <a:round/>
+                      <a:headEnd type="none" w="med" len="med"/>
+                      <a:tailEnd type="none" w="med" len="med"/>
+                    </a:lnL>
+                    <a:lnR w="12700" cap="flat" cmpd="sng" algn="ctr">
+                      <a:solidFill>
+                        <a:schemeClr val="tx1"/>
+                      </a:solidFill>
+                      <a:prstDash val="solid"/>
+                      <a:round/>
+                      <a:headEnd type="none" w="med" len="med"/>
+                      <a:tailEnd type="none" w="med" len="med"/>
+                    </a:lnR>
+                    <a:lnT w="12700" cap="flat" cmpd="sng" algn="ctr">
+                      <a:solidFill>
+                        <a:schemeClr val="tx1"/>
+                      </a:solidFill>
+                      <a:prstDash val="solid"/>
+                      <a:round/>
+                      <a:headEnd type="none" w="med" len="med"/>
+                      <a:tailEnd type="none" w="med" len="med"/>
+                    </a:lnT>
+                    <a:lnB w="12700" cap="flat" cmpd="sng" algn="ctr">
+                      <a:solidFill>
+                        <a:schemeClr val="tx1"/>
+                      </a:solidFill>
+                      <a:prstDash val="solid"/>
+                      <a:round/>
+                      <a:headEnd type="none" w="med" len="med"/>
+                      <a:tailEnd type="none" w="med" len="med"/>
+                    </a:lnB>
+                  </a:tcPr>
+                </a:tc>
+                <a:tc>
+                  <a:txBody>
+                    <a:bodyPr/>
+                    <a:lstStyle/>
+                    <a:p>
+                      <a:r>
+                        <a:rPr lang="en-US" sz="1200" b="0" i="0" kern="1200" dirty="0" smtClean="0">
+                          <a:solidFill>
+                            <a:schemeClr val="tx1"/>
+                          </a:solidFill>
+                          <a:effectLst/>
+                          <a:latin typeface="+mn-lt"/>
+                          <a:ea typeface="+mn-ea"/>
+                          <a:cs typeface="+mn-cs"/>
+                        </a:rPr>
+                        <a:t>We can use constructor based dependency injection for mandatory dependencies and setter based injection for optional dependencies</a:t>
+                      </a:r>
+                      <a:endParaRPr lang="en-US" sz="1200" b="0" i="0" kern="1200" dirty="0">
+                        <a:solidFill>
+                          <a:schemeClr val="tx1"/>
+                        </a:solidFill>
+                        <a:effectLst/>
+                        <a:latin typeface="+mn-lt"/>
+                        <a:ea typeface="+mn-ea"/>
+                        <a:cs typeface="+mn-cs"/>
+                      </a:endParaRPr>
                     </a:p>
                   </a:txBody>
                   <a:tcPr>
